--- a/PPT.pptx
+++ b/PPT.pptx
@@ -10,6 +10,9 @@
     <p:sldId id="259" r:id="rId4"/>
     <p:sldId id="260" r:id="rId5"/>
     <p:sldId id="261" r:id="rId6"/>
+    <p:sldId id="266" r:id="rId7"/>
+    <p:sldId id="264" r:id="rId8"/>
+    <p:sldId id="262" r:id="rId9"/>
   </p:sldIdLst>
   <p:sldSz cx="12192000" cy="6858000"/>
   <p:notesSz cx="6858000" cy="9144000"/>
@@ -265,7 +268,7 @@
           <a:p>
             <a:fld id="{7FCAE4D0-9401-4026-9EB4-11148D79758F}" type="datetimeFigureOut">
               <a:rPr lang="en-IN" smtClean="0"/>
-              <a:t>19-04-2020</a:t>
+              <a:t>30-04-2020</a:t>
             </a:fld>
             <a:endParaRPr lang="en-IN"/>
           </a:p>
@@ -465,7 +468,7 @@
           <a:p>
             <a:fld id="{7FCAE4D0-9401-4026-9EB4-11148D79758F}" type="datetimeFigureOut">
               <a:rPr lang="en-IN" smtClean="0"/>
-              <a:t>19-04-2020</a:t>
+              <a:t>30-04-2020</a:t>
             </a:fld>
             <a:endParaRPr lang="en-IN"/>
           </a:p>
@@ -675,7 +678,7 @@
           <a:p>
             <a:fld id="{7FCAE4D0-9401-4026-9EB4-11148D79758F}" type="datetimeFigureOut">
               <a:rPr lang="en-IN" smtClean="0"/>
-              <a:t>19-04-2020</a:t>
+              <a:t>30-04-2020</a:t>
             </a:fld>
             <a:endParaRPr lang="en-IN"/>
           </a:p>
@@ -875,7 +878,7 @@
           <a:p>
             <a:fld id="{7FCAE4D0-9401-4026-9EB4-11148D79758F}" type="datetimeFigureOut">
               <a:rPr lang="en-IN" smtClean="0"/>
-              <a:t>19-04-2020</a:t>
+              <a:t>30-04-2020</a:t>
             </a:fld>
             <a:endParaRPr lang="en-IN"/>
           </a:p>
@@ -1151,7 +1154,7 @@
           <a:p>
             <a:fld id="{7FCAE4D0-9401-4026-9EB4-11148D79758F}" type="datetimeFigureOut">
               <a:rPr lang="en-IN" smtClean="0"/>
-              <a:t>19-04-2020</a:t>
+              <a:t>30-04-2020</a:t>
             </a:fld>
             <a:endParaRPr lang="en-IN"/>
           </a:p>
@@ -1419,7 +1422,7 @@
           <a:p>
             <a:fld id="{7FCAE4D0-9401-4026-9EB4-11148D79758F}" type="datetimeFigureOut">
               <a:rPr lang="en-IN" smtClean="0"/>
-              <a:t>19-04-2020</a:t>
+              <a:t>30-04-2020</a:t>
             </a:fld>
             <a:endParaRPr lang="en-IN"/>
           </a:p>
@@ -1834,7 +1837,7 @@
           <a:p>
             <a:fld id="{7FCAE4D0-9401-4026-9EB4-11148D79758F}" type="datetimeFigureOut">
               <a:rPr lang="en-IN" smtClean="0"/>
-              <a:t>19-04-2020</a:t>
+              <a:t>30-04-2020</a:t>
             </a:fld>
             <a:endParaRPr lang="en-IN"/>
           </a:p>
@@ -1976,7 +1979,7 @@
           <a:p>
             <a:fld id="{7FCAE4D0-9401-4026-9EB4-11148D79758F}" type="datetimeFigureOut">
               <a:rPr lang="en-IN" smtClean="0"/>
-              <a:t>19-04-2020</a:t>
+              <a:t>30-04-2020</a:t>
             </a:fld>
             <a:endParaRPr lang="en-IN"/>
           </a:p>
@@ -2089,7 +2092,7 @@
           <a:p>
             <a:fld id="{7FCAE4D0-9401-4026-9EB4-11148D79758F}" type="datetimeFigureOut">
               <a:rPr lang="en-IN" smtClean="0"/>
-              <a:t>19-04-2020</a:t>
+              <a:t>30-04-2020</a:t>
             </a:fld>
             <a:endParaRPr lang="en-IN"/>
           </a:p>
@@ -2402,7 +2405,7 @@
           <a:p>
             <a:fld id="{7FCAE4D0-9401-4026-9EB4-11148D79758F}" type="datetimeFigureOut">
               <a:rPr lang="en-IN" smtClean="0"/>
-              <a:t>19-04-2020</a:t>
+              <a:t>30-04-2020</a:t>
             </a:fld>
             <a:endParaRPr lang="en-IN"/>
           </a:p>
@@ -2691,7 +2694,7 @@
           <a:p>
             <a:fld id="{7FCAE4D0-9401-4026-9EB4-11148D79758F}" type="datetimeFigureOut">
               <a:rPr lang="en-IN" smtClean="0"/>
-              <a:t>19-04-2020</a:t>
+              <a:t>30-04-2020</a:t>
             </a:fld>
             <a:endParaRPr lang="en-IN"/>
           </a:p>
@@ -2934,7 +2937,7 @@
           <a:p>
             <a:fld id="{7FCAE4D0-9401-4026-9EB4-11148D79758F}" type="datetimeFigureOut">
               <a:rPr lang="en-IN" smtClean="0"/>
-              <a:t>19-04-2020</a:t>
+              <a:t>30-04-2020</a:t>
             </a:fld>
             <a:endParaRPr lang="en-IN"/>
           </a:p>
@@ -3392,7 +3395,7 @@
         </p:style>
         <p:txBody>
           <a:bodyPr>
-            <a:normAutofit fontScale="90000"/>
+            <a:normAutofit/>
           </a:bodyPr>
           <a:lstStyle/>
           <a:p>
@@ -3417,13 +3420,6 @@
             <a:r>
               <a:rPr lang="en-IN" sz="3200" dirty="0"/>
               <a:t>Team leader name:</a:t>
-            </a:r>
-            <a:br>
-              <a:rPr lang="en-IN" sz="3200" dirty="0"/>
-            </a:br>
-            <a:r>
-              <a:rPr lang="en-IN" sz="3200" dirty="0"/>
-              <a:t>College name:</a:t>
             </a:r>
             <a:br>
               <a:rPr lang="en-IN" sz="3200" dirty="0"/>
@@ -3648,9 +3644,10 @@
               <a:buNone/>
             </a:pPr>
             <a:r>
-              <a:rPr lang="en-IN" dirty="0"/>
-              <a:t>Theme:</a:t>
-            </a:r>
+              <a:rPr lang="en-IN"/>
+              <a:t>Domain:</a:t>
+            </a:r>
+            <a:endParaRPr lang="en-IN" dirty="0"/>
           </a:p>
           <a:p>
             <a:pPr marL="0" indent="0">
@@ -4346,6 +4343,346 @@
     <p:extLst>
       <p:ext uri="{BB962C8B-B14F-4D97-AF65-F5344CB8AC3E}">
         <p14:creationId xmlns:p14="http://schemas.microsoft.com/office/powerpoint/2010/main" val="2284135007"/>
+      </p:ext>
+    </p:extLst>
+  </p:cSld>
+  <p:clrMapOvr>
+    <a:masterClrMapping/>
+  </p:clrMapOvr>
+</p:sld>
+</file>
+
+<file path=ppt/slides/slide6.xml><?xml version="1.0" encoding="utf-8"?>
+<p:sld xmlns:a="http://schemas.openxmlformats.org/drawingml/2006/main" xmlns:r="http://schemas.openxmlformats.org/officeDocument/2006/relationships" xmlns:p="http://schemas.openxmlformats.org/presentationml/2006/main">
+  <p:cSld>
+    <p:spTree>
+      <p:nvGrpSpPr>
+        <p:cNvPr id="1" name=""/>
+        <p:cNvGrpSpPr/>
+        <p:nvPr/>
+      </p:nvGrpSpPr>
+      <p:grpSpPr>
+        <a:xfrm>
+          <a:off x="0" y="0"/>
+          <a:ext cx="0" cy="0"/>
+          <a:chOff x="0" y="0"/>
+          <a:chExt cx="0" cy="0"/>
+        </a:xfrm>
+      </p:grpSpPr>
+      <p:sp>
+        <p:nvSpPr>
+          <p:cNvPr id="2" name="Title 1">
+            <a:extLst>
+              <a:ext uri="{FF2B5EF4-FFF2-40B4-BE49-F238E27FC236}">
+                <a16:creationId xmlns:a16="http://schemas.microsoft.com/office/drawing/2014/main" id="{430F2024-8119-465F-A4E7-BBDF79E97A0A}"/>
+              </a:ext>
+            </a:extLst>
+          </p:cNvPr>
+          <p:cNvSpPr>
+            <a:spLocks noGrp="1"/>
+          </p:cNvSpPr>
+          <p:nvPr>
+            <p:ph type="title"/>
+          </p:nvPr>
+        </p:nvSpPr>
+        <p:spPr/>
+        <p:txBody>
+          <a:bodyPr/>
+          <a:lstStyle/>
+          <a:p>
+            <a:r>
+              <a:rPr lang="en-US" dirty="0"/>
+              <a:t>Social Impact Analysis with COVID19</a:t>
+            </a:r>
+            <a:endParaRPr lang="en-IN" dirty="0"/>
+          </a:p>
+        </p:txBody>
+      </p:sp>
+      <p:sp>
+        <p:nvSpPr>
+          <p:cNvPr id="3" name="Content Placeholder 2">
+            <a:extLst>
+              <a:ext uri="{FF2B5EF4-FFF2-40B4-BE49-F238E27FC236}">
+                <a16:creationId xmlns:a16="http://schemas.microsoft.com/office/drawing/2014/main" id="{365340B0-5D93-4812-AD64-EBBB31E12DEE}"/>
+              </a:ext>
+            </a:extLst>
+          </p:cNvPr>
+          <p:cNvSpPr>
+            <a:spLocks noGrp="1"/>
+          </p:cNvSpPr>
+          <p:nvPr>
+            <p:ph idx="1"/>
+          </p:nvPr>
+        </p:nvSpPr>
+        <p:spPr>
+          <a:xfrm>
+            <a:off x="838200" y="1825625"/>
+            <a:ext cx="10515600" cy="2580120"/>
+          </a:xfrm>
+          <a:prstGeom prst="roundRect">
+            <a:avLst/>
+          </a:prstGeom>
+        </p:spPr>
+        <p:style>
+          <a:lnRef idx="1">
+            <a:schemeClr val="accent2"/>
+          </a:lnRef>
+          <a:fillRef idx="2">
+            <a:schemeClr val="accent2"/>
+          </a:fillRef>
+          <a:effectRef idx="1">
+            <a:schemeClr val="accent2"/>
+          </a:effectRef>
+          <a:fontRef idx="minor">
+            <a:schemeClr val="dk1"/>
+          </a:fontRef>
+        </p:style>
+        <p:txBody>
+          <a:bodyPr/>
+          <a:lstStyle/>
+          <a:p>
+            <a:pPr marL="0" indent="0" algn="ctr">
+              <a:buNone/>
+            </a:pPr>
+            <a:endParaRPr lang="en-IN" dirty="0"/>
+          </a:p>
+          <a:p>
+            <a:pPr marL="0" indent="0" algn="ctr">
+              <a:buNone/>
+            </a:pPr>
+            <a:r>
+              <a:rPr lang="en-IN" dirty="0"/>
+              <a:t>Examine and explain what social impact</a:t>
+            </a:r>
+          </a:p>
+          <a:p>
+            <a:pPr marL="0" indent="0" algn="ctr">
+              <a:buNone/>
+            </a:pPr>
+            <a:r>
+              <a:rPr lang="en-IN" dirty="0"/>
+              <a:t>your project has on COVID-19</a:t>
+            </a:r>
+          </a:p>
+        </p:txBody>
+      </p:sp>
+    </p:spTree>
+    <p:extLst>
+      <p:ext uri="{BB962C8B-B14F-4D97-AF65-F5344CB8AC3E}">
+        <p14:creationId xmlns:p14="http://schemas.microsoft.com/office/powerpoint/2010/main" val="3430839911"/>
+      </p:ext>
+    </p:extLst>
+  </p:cSld>
+  <p:clrMapOvr>
+    <a:masterClrMapping/>
+  </p:clrMapOvr>
+</p:sld>
+</file>
+
+<file path=ppt/slides/slide7.xml><?xml version="1.0" encoding="utf-8"?>
+<p:sld xmlns:a="http://schemas.openxmlformats.org/drawingml/2006/main" xmlns:r="http://schemas.openxmlformats.org/officeDocument/2006/relationships" xmlns:p="http://schemas.openxmlformats.org/presentationml/2006/main">
+  <p:cSld>
+    <p:spTree>
+      <p:nvGrpSpPr>
+        <p:cNvPr id="1" name=""/>
+        <p:cNvGrpSpPr/>
+        <p:nvPr/>
+      </p:nvGrpSpPr>
+      <p:grpSpPr>
+        <a:xfrm>
+          <a:off x="0" y="0"/>
+          <a:ext cx="0" cy="0"/>
+          <a:chOff x="0" y="0"/>
+          <a:chExt cx="0" cy="0"/>
+        </a:xfrm>
+      </p:grpSpPr>
+      <p:sp>
+        <p:nvSpPr>
+          <p:cNvPr id="2" name="Title 1">
+            <a:extLst>
+              <a:ext uri="{FF2B5EF4-FFF2-40B4-BE49-F238E27FC236}">
+                <a16:creationId xmlns:a16="http://schemas.microsoft.com/office/drawing/2014/main" id="{430F2024-8119-465F-A4E7-BBDF79E97A0A}"/>
+              </a:ext>
+            </a:extLst>
+          </p:cNvPr>
+          <p:cNvSpPr>
+            <a:spLocks noGrp="1"/>
+          </p:cNvSpPr>
+          <p:nvPr>
+            <p:ph type="title"/>
+          </p:nvPr>
+        </p:nvSpPr>
+        <p:spPr/>
+        <p:txBody>
+          <a:bodyPr/>
+          <a:lstStyle/>
+          <a:p>
+            <a:r>
+              <a:rPr lang="en-IN" dirty="0"/>
+              <a:t>Implementation</a:t>
+            </a:r>
+          </a:p>
+        </p:txBody>
+      </p:sp>
+      <p:sp>
+        <p:nvSpPr>
+          <p:cNvPr id="5" name="Content Placeholder 4">
+            <a:extLst>
+              <a:ext uri="{FF2B5EF4-FFF2-40B4-BE49-F238E27FC236}">
+                <a16:creationId xmlns:a16="http://schemas.microsoft.com/office/drawing/2014/main" id="{82FC771A-38FB-418A-9B6F-1DB117F6D685}"/>
+              </a:ext>
+            </a:extLst>
+          </p:cNvPr>
+          <p:cNvSpPr>
+            <a:spLocks noGrp="1"/>
+          </p:cNvSpPr>
+          <p:nvPr>
+            <p:ph idx="1"/>
+          </p:nvPr>
+        </p:nvSpPr>
+        <p:spPr/>
+        <p:txBody>
+          <a:bodyPr/>
+          <a:lstStyle/>
+          <a:p>
+            <a:r>
+              <a:rPr lang="en-US" dirty="0"/>
+              <a:t>Add the snapshots of the project here.</a:t>
+            </a:r>
+            <a:endParaRPr lang="en-IN" dirty="0"/>
+          </a:p>
+        </p:txBody>
+      </p:sp>
+    </p:spTree>
+    <p:extLst>
+      <p:ext uri="{BB962C8B-B14F-4D97-AF65-F5344CB8AC3E}">
+        <p14:creationId xmlns:p14="http://schemas.microsoft.com/office/powerpoint/2010/main" val="2141124305"/>
+      </p:ext>
+    </p:extLst>
+  </p:cSld>
+  <p:clrMapOvr>
+    <a:masterClrMapping/>
+  </p:clrMapOvr>
+</p:sld>
+</file>
+
+<file path=ppt/slides/slide8.xml><?xml version="1.0" encoding="utf-8"?>
+<p:sld xmlns:a="http://schemas.openxmlformats.org/drawingml/2006/main" xmlns:r="http://schemas.openxmlformats.org/officeDocument/2006/relationships" xmlns:p="http://schemas.openxmlformats.org/presentationml/2006/main">
+  <p:cSld>
+    <p:spTree>
+      <p:nvGrpSpPr>
+        <p:cNvPr id="1" name=""/>
+        <p:cNvGrpSpPr/>
+        <p:nvPr/>
+      </p:nvGrpSpPr>
+      <p:grpSpPr>
+        <a:xfrm>
+          <a:off x="0" y="0"/>
+          <a:ext cx="0" cy="0"/>
+          <a:chOff x="0" y="0"/>
+          <a:chExt cx="0" cy="0"/>
+        </a:xfrm>
+      </p:grpSpPr>
+      <p:sp>
+        <p:nvSpPr>
+          <p:cNvPr id="2" name="Title 1">
+            <a:extLst>
+              <a:ext uri="{FF2B5EF4-FFF2-40B4-BE49-F238E27FC236}">
+                <a16:creationId xmlns:a16="http://schemas.microsoft.com/office/drawing/2014/main" id="{201CF7DD-6D95-4EF9-9227-FD66D81AF0A5}"/>
+              </a:ext>
+            </a:extLst>
+          </p:cNvPr>
+          <p:cNvSpPr>
+            <a:spLocks noGrp="1"/>
+          </p:cNvSpPr>
+          <p:nvPr>
+            <p:ph type="title"/>
+          </p:nvPr>
+        </p:nvSpPr>
+        <p:spPr/>
+        <p:txBody>
+          <a:bodyPr/>
+          <a:lstStyle/>
+          <a:p>
+            <a:r>
+              <a:rPr lang="en-IN" dirty="0"/>
+              <a:t>Link to the project</a:t>
+            </a:r>
+          </a:p>
+        </p:txBody>
+      </p:sp>
+      <p:sp>
+        <p:nvSpPr>
+          <p:cNvPr id="3" name="Content Placeholder 2">
+            <a:extLst>
+              <a:ext uri="{FF2B5EF4-FFF2-40B4-BE49-F238E27FC236}">
+                <a16:creationId xmlns:a16="http://schemas.microsoft.com/office/drawing/2014/main" id="{623C2664-F31D-4F47-81C2-658C65AB03F9}"/>
+              </a:ext>
+            </a:extLst>
+          </p:cNvPr>
+          <p:cNvSpPr>
+            <a:spLocks noGrp="1"/>
+          </p:cNvSpPr>
+          <p:nvPr>
+            <p:ph idx="1"/>
+          </p:nvPr>
+        </p:nvSpPr>
+        <p:spPr>
+          <a:xfrm>
+            <a:off x="838200" y="1825625"/>
+            <a:ext cx="10515600" cy="2672484"/>
+          </a:xfrm>
+          <a:prstGeom prst="roundRect">
+            <a:avLst/>
+          </a:prstGeom>
+        </p:spPr>
+        <p:style>
+          <a:lnRef idx="1">
+            <a:schemeClr val="accent2"/>
+          </a:lnRef>
+          <a:fillRef idx="2">
+            <a:schemeClr val="accent2"/>
+          </a:fillRef>
+          <a:effectRef idx="1">
+            <a:schemeClr val="accent2"/>
+          </a:effectRef>
+          <a:fontRef idx="minor">
+            <a:schemeClr val="dk1"/>
+          </a:fontRef>
+        </p:style>
+        <p:txBody>
+          <a:bodyPr/>
+          <a:lstStyle/>
+          <a:p>
+            <a:pPr marL="0" indent="0">
+              <a:buNone/>
+            </a:pPr>
+            <a:endParaRPr lang="en-IN" dirty="0"/>
+          </a:p>
+          <a:p>
+            <a:pPr marL="0" indent="0">
+              <a:buNone/>
+            </a:pPr>
+            <a:r>
+              <a:rPr lang="en-IN" dirty="0"/>
+              <a:t>GitHub link:</a:t>
+            </a:r>
+          </a:p>
+          <a:p>
+            <a:pPr marL="0" indent="0">
+              <a:buNone/>
+            </a:pPr>
+            <a:r>
+              <a:rPr lang="en-IN" dirty="0"/>
+              <a:t>Google Drive link:</a:t>
+            </a:r>
+          </a:p>
+        </p:txBody>
+      </p:sp>
+    </p:spTree>
+    <p:extLst>
+      <p:ext uri="{BB962C8B-B14F-4D97-AF65-F5344CB8AC3E}">
+        <p14:creationId xmlns:p14="http://schemas.microsoft.com/office/powerpoint/2010/main" val="783778411"/>
       </p:ext>
     </p:extLst>
   </p:cSld>
